--- a/20230517_학습용데이터정리.pptx
+++ b/20230517_학습용데이터정리.pptx
@@ -152,7 +152,7 @@
           <p:cNvPr id="2" name="제목 1">
             <a:extLst>
               <a:ext uri="{FF2B5EF4-FFF2-40B4-BE49-F238E27FC236}">
-                <a16:creationId xmlns:a16="http://schemas.microsoft.com/office/drawing/2014/main" id="{9908A209-185F-43C5-ACC0-2EF4D1F37519}"/>
+                <a16:creationId xmlns:a16="http://schemas.microsoft.com/office/drawing/2014/main" xmlns="" id="{9908A209-185F-43C5-ACC0-2EF4D1F37519}"/>
               </a:ext>
             </a:extLst>
           </p:cNvPr>
@@ -189,7 +189,7 @@
           <p:cNvPr id="3" name="부제목 2">
             <a:extLst>
               <a:ext uri="{FF2B5EF4-FFF2-40B4-BE49-F238E27FC236}">
-                <a16:creationId xmlns:a16="http://schemas.microsoft.com/office/drawing/2014/main" id="{CD70AAC4-EF9A-4ED6-9959-0BC99A746D9E}"/>
+                <a16:creationId xmlns:a16="http://schemas.microsoft.com/office/drawing/2014/main" xmlns="" id="{CD70AAC4-EF9A-4ED6-9959-0BC99A746D9E}"/>
               </a:ext>
             </a:extLst>
           </p:cNvPr>
@@ -259,7 +259,7 @@
           <p:cNvPr id="4" name="날짜 개체 틀 3">
             <a:extLst>
               <a:ext uri="{FF2B5EF4-FFF2-40B4-BE49-F238E27FC236}">
-                <a16:creationId xmlns:a16="http://schemas.microsoft.com/office/drawing/2014/main" id="{E46932ED-3AB0-4BE1-88BD-58FBD652FCFA}"/>
+                <a16:creationId xmlns:a16="http://schemas.microsoft.com/office/drawing/2014/main" xmlns="" id="{E46932ED-3AB0-4BE1-88BD-58FBD652FCFA}"/>
               </a:ext>
             </a:extLst>
           </p:cNvPr>
@@ -277,7 +277,7 @@
           <a:p>
             <a:fld id="{2E8D9657-2802-4D36-A859-D81AD93B9EA5}" type="datetimeFigureOut">
               <a:rPr lang="ko-KR" altLang="en-US" smtClean="0"/>
-              <a:t>2023-05-17</a:t>
+              <a:t>2023-06-14</a:t>
             </a:fld>
             <a:endParaRPr lang="ko-KR" altLang="en-US"/>
           </a:p>
@@ -288,7 +288,7 @@
           <p:cNvPr id="5" name="바닥글 개체 틀 4">
             <a:extLst>
               <a:ext uri="{FF2B5EF4-FFF2-40B4-BE49-F238E27FC236}">
-                <a16:creationId xmlns:a16="http://schemas.microsoft.com/office/drawing/2014/main" id="{B4DA359A-EF67-4642-B8EA-6DAFFDB80E70}"/>
+                <a16:creationId xmlns:a16="http://schemas.microsoft.com/office/drawing/2014/main" xmlns="" id="{B4DA359A-EF67-4642-B8EA-6DAFFDB80E70}"/>
               </a:ext>
             </a:extLst>
           </p:cNvPr>
@@ -313,7 +313,7 @@
           <p:cNvPr id="6" name="슬라이드 번호 개체 틀 5">
             <a:extLst>
               <a:ext uri="{FF2B5EF4-FFF2-40B4-BE49-F238E27FC236}">
-                <a16:creationId xmlns:a16="http://schemas.microsoft.com/office/drawing/2014/main" id="{891F523C-E897-4CAB-BF05-A3DEC788B459}"/>
+                <a16:creationId xmlns:a16="http://schemas.microsoft.com/office/drawing/2014/main" xmlns="" id="{891F523C-E897-4CAB-BF05-A3DEC788B459}"/>
               </a:ext>
             </a:extLst>
           </p:cNvPr>
@@ -372,7 +372,7 @@
           <p:cNvPr id="2" name="제목 1">
             <a:extLst>
               <a:ext uri="{FF2B5EF4-FFF2-40B4-BE49-F238E27FC236}">
-                <a16:creationId xmlns:a16="http://schemas.microsoft.com/office/drawing/2014/main" id="{1C05A058-BBDC-42B8-BD27-C33D30B0819B}"/>
+                <a16:creationId xmlns:a16="http://schemas.microsoft.com/office/drawing/2014/main" xmlns="" id="{1C05A058-BBDC-42B8-BD27-C33D30B0819B}"/>
               </a:ext>
             </a:extLst>
           </p:cNvPr>
@@ -400,7 +400,7 @@
           <p:cNvPr id="3" name="세로 텍스트 개체 틀 2">
             <a:extLst>
               <a:ext uri="{FF2B5EF4-FFF2-40B4-BE49-F238E27FC236}">
-                <a16:creationId xmlns:a16="http://schemas.microsoft.com/office/drawing/2014/main" id="{810F37F2-D8F1-4814-8EBC-F5E36BCCF05D}"/>
+                <a16:creationId xmlns:a16="http://schemas.microsoft.com/office/drawing/2014/main" xmlns="" id="{810F37F2-D8F1-4814-8EBC-F5E36BCCF05D}"/>
               </a:ext>
             </a:extLst>
           </p:cNvPr>
@@ -457,7 +457,7 @@
           <p:cNvPr id="4" name="날짜 개체 틀 3">
             <a:extLst>
               <a:ext uri="{FF2B5EF4-FFF2-40B4-BE49-F238E27FC236}">
-                <a16:creationId xmlns:a16="http://schemas.microsoft.com/office/drawing/2014/main" id="{D833DCC6-3417-4786-BDA2-9EBE3E0BAB38}"/>
+                <a16:creationId xmlns:a16="http://schemas.microsoft.com/office/drawing/2014/main" xmlns="" id="{D833DCC6-3417-4786-BDA2-9EBE3E0BAB38}"/>
               </a:ext>
             </a:extLst>
           </p:cNvPr>
@@ -475,7 +475,7 @@
           <a:p>
             <a:fld id="{2E8D9657-2802-4D36-A859-D81AD93B9EA5}" type="datetimeFigureOut">
               <a:rPr lang="ko-KR" altLang="en-US" smtClean="0"/>
-              <a:t>2023-05-17</a:t>
+              <a:t>2023-06-14</a:t>
             </a:fld>
             <a:endParaRPr lang="ko-KR" altLang="en-US"/>
           </a:p>
@@ -486,7 +486,7 @@
           <p:cNvPr id="5" name="바닥글 개체 틀 4">
             <a:extLst>
               <a:ext uri="{FF2B5EF4-FFF2-40B4-BE49-F238E27FC236}">
-                <a16:creationId xmlns:a16="http://schemas.microsoft.com/office/drawing/2014/main" id="{16C0DEBA-5A5B-4090-9232-F1AF06437452}"/>
+                <a16:creationId xmlns:a16="http://schemas.microsoft.com/office/drawing/2014/main" xmlns="" id="{16C0DEBA-5A5B-4090-9232-F1AF06437452}"/>
               </a:ext>
             </a:extLst>
           </p:cNvPr>
@@ -511,7 +511,7 @@
           <p:cNvPr id="6" name="슬라이드 번호 개체 틀 5">
             <a:extLst>
               <a:ext uri="{FF2B5EF4-FFF2-40B4-BE49-F238E27FC236}">
-                <a16:creationId xmlns:a16="http://schemas.microsoft.com/office/drawing/2014/main" id="{52D2CC0D-276B-4557-A6E8-DED2B182DA3E}"/>
+                <a16:creationId xmlns:a16="http://schemas.microsoft.com/office/drawing/2014/main" xmlns="" id="{52D2CC0D-276B-4557-A6E8-DED2B182DA3E}"/>
               </a:ext>
             </a:extLst>
           </p:cNvPr>
@@ -570,7 +570,7 @@
           <p:cNvPr id="2" name="세로 제목 1">
             <a:extLst>
               <a:ext uri="{FF2B5EF4-FFF2-40B4-BE49-F238E27FC236}">
-                <a16:creationId xmlns:a16="http://schemas.microsoft.com/office/drawing/2014/main" id="{779FA12D-F58B-40E0-B1F8-B3A805E4A270}"/>
+                <a16:creationId xmlns:a16="http://schemas.microsoft.com/office/drawing/2014/main" xmlns="" id="{779FA12D-F58B-40E0-B1F8-B3A805E4A270}"/>
               </a:ext>
             </a:extLst>
           </p:cNvPr>
@@ -603,7 +603,7 @@
           <p:cNvPr id="3" name="세로 텍스트 개체 틀 2">
             <a:extLst>
               <a:ext uri="{FF2B5EF4-FFF2-40B4-BE49-F238E27FC236}">
-                <a16:creationId xmlns:a16="http://schemas.microsoft.com/office/drawing/2014/main" id="{977C4EC0-8C33-464A-9BD5-C162E795CCD0}"/>
+                <a16:creationId xmlns:a16="http://schemas.microsoft.com/office/drawing/2014/main" xmlns="" id="{977C4EC0-8C33-464A-9BD5-C162E795CCD0}"/>
               </a:ext>
             </a:extLst>
           </p:cNvPr>
@@ -665,7 +665,7 @@
           <p:cNvPr id="4" name="날짜 개체 틀 3">
             <a:extLst>
               <a:ext uri="{FF2B5EF4-FFF2-40B4-BE49-F238E27FC236}">
-                <a16:creationId xmlns:a16="http://schemas.microsoft.com/office/drawing/2014/main" id="{07F914F2-4797-413C-88B7-97A454C4D3FB}"/>
+                <a16:creationId xmlns:a16="http://schemas.microsoft.com/office/drawing/2014/main" xmlns="" id="{07F914F2-4797-413C-88B7-97A454C4D3FB}"/>
               </a:ext>
             </a:extLst>
           </p:cNvPr>
@@ -683,7 +683,7 @@
           <a:p>
             <a:fld id="{2E8D9657-2802-4D36-A859-D81AD93B9EA5}" type="datetimeFigureOut">
               <a:rPr lang="ko-KR" altLang="en-US" smtClean="0"/>
-              <a:t>2023-05-17</a:t>
+              <a:t>2023-06-14</a:t>
             </a:fld>
             <a:endParaRPr lang="ko-KR" altLang="en-US"/>
           </a:p>
@@ -694,7 +694,7 @@
           <p:cNvPr id="5" name="바닥글 개체 틀 4">
             <a:extLst>
               <a:ext uri="{FF2B5EF4-FFF2-40B4-BE49-F238E27FC236}">
-                <a16:creationId xmlns:a16="http://schemas.microsoft.com/office/drawing/2014/main" id="{251CD4E1-D11B-4D52-B9F8-05652D8D182C}"/>
+                <a16:creationId xmlns:a16="http://schemas.microsoft.com/office/drawing/2014/main" xmlns="" id="{251CD4E1-D11B-4D52-B9F8-05652D8D182C}"/>
               </a:ext>
             </a:extLst>
           </p:cNvPr>
@@ -719,7 +719,7 @@
           <p:cNvPr id="6" name="슬라이드 번호 개체 틀 5">
             <a:extLst>
               <a:ext uri="{FF2B5EF4-FFF2-40B4-BE49-F238E27FC236}">
-                <a16:creationId xmlns:a16="http://schemas.microsoft.com/office/drawing/2014/main" id="{3D18C2E8-CF14-46DA-8F80-37D49C0A25D9}"/>
+                <a16:creationId xmlns:a16="http://schemas.microsoft.com/office/drawing/2014/main" xmlns="" id="{3D18C2E8-CF14-46DA-8F80-37D49C0A25D9}"/>
               </a:ext>
             </a:extLst>
           </p:cNvPr>
@@ -778,7 +778,7 @@
           <p:cNvPr id="2" name="제목 1">
             <a:extLst>
               <a:ext uri="{FF2B5EF4-FFF2-40B4-BE49-F238E27FC236}">
-                <a16:creationId xmlns:a16="http://schemas.microsoft.com/office/drawing/2014/main" id="{A2BA6184-4493-461A-BA3A-7526800304DD}"/>
+                <a16:creationId xmlns:a16="http://schemas.microsoft.com/office/drawing/2014/main" xmlns="" id="{A2BA6184-4493-461A-BA3A-7526800304DD}"/>
               </a:ext>
             </a:extLst>
           </p:cNvPr>
@@ -806,7 +806,7 @@
           <p:cNvPr id="3" name="내용 개체 틀 2">
             <a:extLst>
               <a:ext uri="{FF2B5EF4-FFF2-40B4-BE49-F238E27FC236}">
-                <a16:creationId xmlns:a16="http://schemas.microsoft.com/office/drawing/2014/main" id="{F3588642-10A8-4FA2-8981-684B1CD21241}"/>
+                <a16:creationId xmlns:a16="http://schemas.microsoft.com/office/drawing/2014/main" xmlns="" id="{F3588642-10A8-4FA2-8981-684B1CD21241}"/>
               </a:ext>
             </a:extLst>
           </p:cNvPr>
@@ -863,7 +863,7 @@
           <p:cNvPr id="4" name="날짜 개체 틀 3">
             <a:extLst>
               <a:ext uri="{FF2B5EF4-FFF2-40B4-BE49-F238E27FC236}">
-                <a16:creationId xmlns:a16="http://schemas.microsoft.com/office/drawing/2014/main" id="{1530BFF6-F0B8-4DD7-BB04-47D0E4FCC8EF}"/>
+                <a16:creationId xmlns:a16="http://schemas.microsoft.com/office/drawing/2014/main" xmlns="" id="{1530BFF6-F0B8-4DD7-BB04-47D0E4FCC8EF}"/>
               </a:ext>
             </a:extLst>
           </p:cNvPr>
@@ -881,7 +881,7 @@
           <a:p>
             <a:fld id="{2E8D9657-2802-4D36-A859-D81AD93B9EA5}" type="datetimeFigureOut">
               <a:rPr lang="ko-KR" altLang="en-US" smtClean="0"/>
-              <a:t>2023-05-17</a:t>
+              <a:t>2023-06-14</a:t>
             </a:fld>
             <a:endParaRPr lang="ko-KR" altLang="en-US"/>
           </a:p>
@@ -892,7 +892,7 @@
           <p:cNvPr id="5" name="바닥글 개체 틀 4">
             <a:extLst>
               <a:ext uri="{FF2B5EF4-FFF2-40B4-BE49-F238E27FC236}">
-                <a16:creationId xmlns:a16="http://schemas.microsoft.com/office/drawing/2014/main" id="{0E8B5EF4-9C25-42DF-87A8-0A54F1DAD3DA}"/>
+                <a16:creationId xmlns:a16="http://schemas.microsoft.com/office/drawing/2014/main" xmlns="" id="{0E8B5EF4-9C25-42DF-87A8-0A54F1DAD3DA}"/>
               </a:ext>
             </a:extLst>
           </p:cNvPr>
@@ -917,7 +917,7 @@
           <p:cNvPr id="6" name="슬라이드 번호 개체 틀 5">
             <a:extLst>
               <a:ext uri="{FF2B5EF4-FFF2-40B4-BE49-F238E27FC236}">
-                <a16:creationId xmlns:a16="http://schemas.microsoft.com/office/drawing/2014/main" id="{CD62EAFE-B0D8-4224-BAEE-A921165B6612}"/>
+                <a16:creationId xmlns:a16="http://schemas.microsoft.com/office/drawing/2014/main" xmlns="" id="{CD62EAFE-B0D8-4224-BAEE-A921165B6612}"/>
               </a:ext>
             </a:extLst>
           </p:cNvPr>
@@ -976,7 +976,7 @@
           <p:cNvPr id="2" name="제목 1">
             <a:extLst>
               <a:ext uri="{FF2B5EF4-FFF2-40B4-BE49-F238E27FC236}">
-                <a16:creationId xmlns:a16="http://schemas.microsoft.com/office/drawing/2014/main" id="{49E1B0C0-7666-4FC0-86D3-14F96E022856}"/>
+                <a16:creationId xmlns:a16="http://schemas.microsoft.com/office/drawing/2014/main" xmlns="" id="{49E1B0C0-7666-4FC0-86D3-14F96E022856}"/>
               </a:ext>
             </a:extLst>
           </p:cNvPr>
@@ -1013,7 +1013,7 @@
           <p:cNvPr id="3" name="텍스트 개체 틀 2">
             <a:extLst>
               <a:ext uri="{FF2B5EF4-FFF2-40B4-BE49-F238E27FC236}">
-                <a16:creationId xmlns:a16="http://schemas.microsoft.com/office/drawing/2014/main" id="{2C6B47CC-C7D4-41F5-8AD4-F359BF6446C6}"/>
+                <a16:creationId xmlns:a16="http://schemas.microsoft.com/office/drawing/2014/main" xmlns="" id="{2C6B47CC-C7D4-41F5-8AD4-F359BF6446C6}"/>
               </a:ext>
             </a:extLst>
           </p:cNvPr>
@@ -1138,7 +1138,7 @@
           <p:cNvPr id="4" name="날짜 개체 틀 3">
             <a:extLst>
               <a:ext uri="{FF2B5EF4-FFF2-40B4-BE49-F238E27FC236}">
-                <a16:creationId xmlns:a16="http://schemas.microsoft.com/office/drawing/2014/main" id="{6D3FBE53-9D33-4B47-9BDA-A0F585333607}"/>
+                <a16:creationId xmlns:a16="http://schemas.microsoft.com/office/drawing/2014/main" xmlns="" id="{6D3FBE53-9D33-4B47-9BDA-A0F585333607}"/>
               </a:ext>
             </a:extLst>
           </p:cNvPr>
@@ -1156,7 +1156,7 @@
           <a:p>
             <a:fld id="{2E8D9657-2802-4D36-A859-D81AD93B9EA5}" type="datetimeFigureOut">
               <a:rPr lang="ko-KR" altLang="en-US" smtClean="0"/>
-              <a:t>2023-05-17</a:t>
+              <a:t>2023-06-14</a:t>
             </a:fld>
             <a:endParaRPr lang="ko-KR" altLang="en-US"/>
           </a:p>
@@ -1167,7 +1167,7 @@
           <p:cNvPr id="5" name="바닥글 개체 틀 4">
             <a:extLst>
               <a:ext uri="{FF2B5EF4-FFF2-40B4-BE49-F238E27FC236}">
-                <a16:creationId xmlns:a16="http://schemas.microsoft.com/office/drawing/2014/main" id="{080586D1-EB26-45E6-BEFC-3A0B0906415C}"/>
+                <a16:creationId xmlns:a16="http://schemas.microsoft.com/office/drawing/2014/main" xmlns="" id="{080586D1-EB26-45E6-BEFC-3A0B0906415C}"/>
               </a:ext>
             </a:extLst>
           </p:cNvPr>
@@ -1192,7 +1192,7 @@
           <p:cNvPr id="6" name="슬라이드 번호 개체 틀 5">
             <a:extLst>
               <a:ext uri="{FF2B5EF4-FFF2-40B4-BE49-F238E27FC236}">
-                <a16:creationId xmlns:a16="http://schemas.microsoft.com/office/drawing/2014/main" id="{DEE8A3A2-C959-45DA-B93D-D3410C60F63A}"/>
+                <a16:creationId xmlns:a16="http://schemas.microsoft.com/office/drawing/2014/main" xmlns="" id="{DEE8A3A2-C959-45DA-B93D-D3410C60F63A}"/>
               </a:ext>
             </a:extLst>
           </p:cNvPr>
@@ -1251,7 +1251,7 @@
           <p:cNvPr id="2" name="제목 1">
             <a:extLst>
               <a:ext uri="{FF2B5EF4-FFF2-40B4-BE49-F238E27FC236}">
-                <a16:creationId xmlns:a16="http://schemas.microsoft.com/office/drawing/2014/main" id="{8561AC7C-C2DB-4DA0-ABC1-BB26548163D1}"/>
+                <a16:creationId xmlns:a16="http://schemas.microsoft.com/office/drawing/2014/main" xmlns="" id="{8561AC7C-C2DB-4DA0-ABC1-BB26548163D1}"/>
               </a:ext>
             </a:extLst>
           </p:cNvPr>
@@ -1279,7 +1279,7 @@
           <p:cNvPr id="3" name="내용 개체 틀 2">
             <a:extLst>
               <a:ext uri="{FF2B5EF4-FFF2-40B4-BE49-F238E27FC236}">
-                <a16:creationId xmlns:a16="http://schemas.microsoft.com/office/drawing/2014/main" id="{39AEF4F7-AC81-4799-86B7-3577D08C86D7}"/>
+                <a16:creationId xmlns:a16="http://schemas.microsoft.com/office/drawing/2014/main" xmlns="" id="{39AEF4F7-AC81-4799-86B7-3577D08C86D7}"/>
               </a:ext>
             </a:extLst>
           </p:cNvPr>
@@ -1341,7 +1341,7 @@
           <p:cNvPr id="4" name="내용 개체 틀 3">
             <a:extLst>
               <a:ext uri="{FF2B5EF4-FFF2-40B4-BE49-F238E27FC236}">
-                <a16:creationId xmlns:a16="http://schemas.microsoft.com/office/drawing/2014/main" id="{63C2A9A0-CCB3-42E8-9451-8FBC46F6C33C}"/>
+                <a16:creationId xmlns:a16="http://schemas.microsoft.com/office/drawing/2014/main" xmlns="" id="{63C2A9A0-CCB3-42E8-9451-8FBC46F6C33C}"/>
               </a:ext>
             </a:extLst>
           </p:cNvPr>
@@ -1403,7 +1403,7 @@
           <p:cNvPr id="5" name="날짜 개체 틀 4">
             <a:extLst>
               <a:ext uri="{FF2B5EF4-FFF2-40B4-BE49-F238E27FC236}">
-                <a16:creationId xmlns:a16="http://schemas.microsoft.com/office/drawing/2014/main" id="{6E595E16-1356-41D3-B9BA-0421BE14C6F3}"/>
+                <a16:creationId xmlns:a16="http://schemas.microsoft.com/office/drawing/2014/main" xmlns="" id="{6E595E16-1356-41D3-B9BA-0421BE14C6F3}"/>
               </a:ext>
             </a:extLst>
           </p:cNvPr>
@@ -1421,7 +1421,7 @@
           <a:p>
             <a:fld id="{2E8D9657-2802-4D36-A859-D81AD93B9EA5}" type="datetimeFigureOut">
               <a:rPr lang="ko-KR" altLang="en-US" smtClean="0"/>
-              <a:t>2023-05-17</a:t>
+              <a:t>2023-06-14</a:t>
             </a:fld>
             <a:endParaRPr lang="ko-KR" altLang="en-US"/>
           </a:p>
@@ -1432,7 +1432,7 @@
           <p:cNvPr id="6" name="바닥글 개체 틀 5">
             <a:extLst>
               <a:ext uri="{FF2B5EF4-FFF2-40B4-BE49-F238E27FC236}">
-                <a16:creationId xmlns:a16="http://schemas.microsoft.com/office/drawing/2014/main" id="{63DFA3C6-AFA2-424D-B481-89FA35ACCEB2}"/>
+                <a16:creationId xmlns:a16="http://schemas.microsoft.com/office/drawing/2014/main" xmlns="" id="{63DFA3C6-AFA2-424D-B481-89FA35ACCEB2}"/>
               </a:ext>
             </a:extLst>
           </p:cNvPr>
@@ -1457,7 +1457,7 @@
           <p:cNvPr id="7" name="슬라이드 번호 개체 틀 6">
             <a:extLst>
               <a:ext uri="{FF2B5EF4-FFF2-40B4-BE49-F238E27FC236}">
-                <a16:creationId xmlns:a16="http://schemas.microsoft.com/office/drawing/2014/main" id="{2757EDD9-5790-48C2-9CD3-563011704A9A}"/>
+                <a16:creationId xmlns:a16="http://schemas.microsoft.com/office/drawing/2014/main" xmlns="" id="{2757EDD9-5790-48C2-9CD3-563011704A9A}"/>
               </a:ext>
             </a:extLst>
           </p:cNvPr>
@@ -1516,7 +1516,7 @@
           <p:cNvPr id="2" name="제목 1">
             <a:extLst>
               <a:ext uri="{FF2B5EF4-FFF2-40B4-BE49-F238E27FC236}">
-                <a16:creationId xmlns:a16="http://schemas.microsoft.com/office/drawing/2014/main" id="{3325C30C-2EC1-4C71-8726-F027886B9111}"/>
+                <a16:creationId xmlns:a16="http://schemas.microsoft.com/office/drawing/2014/main" xmlns="" id="{3325C30C-2EC1-4C71-8726-F027886B9111}"/>
               </a:ext>
             </a:extLst>
           </p:cNvPr>
@@ -1549,7 +1549,7 @@
           <p:cNvPr id="3" name="텍스트 개체 틀 2">
             <a:extLst>
               <a:ext uri="{FF2B5EF4-FFF2-40B4-BE49-F238E27FC236}">
-                <a16:creationId xmlns:a16="http://schemas.microsoft.com/office/drawing/2014/main" id="{0C4DC613-45AB-471B-9DAC-09A4CFA8D085}"/>
+                <a16:creationId xmlns:a16="http://schemas.microsoft.com/office/drawing/2014/main" xmlns="" id="{0C4DC613-45AB-471B-9DAC-09A4CFA8D085}"/>
               </a:ext>
             </a:extLst>
           </p:cNvPr>
@@ -1620,7 +1620,7 @@
           <p:cNvPr id="4" name="내용 개체 틀 3">
             <a:extLst>
               <a:ext uri="{FF2B5EF4-FFF2-40B4-BE49-F238E27FC236}">
-                <a16:creationId xmlns:a16="http://schemas.microsoft.com/office/drawing/2014/main" id="{CAFE8F5A-B99E-4C3C-949F-DAD0B07E690D}"/>
+                <a16:creationId xmlns:a16="http://schemas.microsoft.com/office/drawing/2014/main" xmlns="" id="{CAFE8F5A-B99E-4C3C-949F-DAD0B07E690D}"/>
               </a:ext>
             </a:extLst>
           </p:cNvPr>
@@ -1682,7 +1682,7 @@
           <p:cNvPr id="5" name="텍스트 개체 틀 4">
             <a:extLst>
               <a:ext uri="{FF2B5EF4-FFF2-40B4-BE49-F238E27FC236}">
-                <a16:creationId xmlns:a16="http://schemas.microsoft.com/office/drawing/2014/main" id="{6FEE5CE2-0714-4B38-90D7-CEA137E4D0FD}"/>
+                <a16:creationId xmlns:a16="http://schemas.microsoft.com/office/drawing/2014/main" xmlns="" id="{6FEE5CE2-0714-4B38-90D7-CEA137E4D0FD}"/>
               </a:ext>
             </a:extLst>
           </p:cNvPr>
@@ -1753,7 +1753,7 @@
           <p:cNvPr id="6" name="내용 개체 틀 5">
             <a:extLst>
               <a:ext uri="{FF2B5EF4-FFF2-40B4-BE49-F238E27FC236}">
-                <a16:creationId xmlns:a16="http://schemas.microsoft.com/office/drawing/2014/main" id="{E928E8F9-D33A-4343-81DE-ADA6B8A585F4}"/>
+                <a16:creationId xmlns:a16="http://schemas.microsoft.com/office/drawing/2014/main" xmlns="" id="{E928E8F9-D33A-4343-81DE-ADA6B8A585F4}"/>
               </a:ext>
             </a:extLst>
           </p:cNvPr>
@@ -1815,7 +1815,7 @@
           <p:cNvPr id="7" name="날짜 개체 틀 6">
             <a:extLst>
               <a:ext uri="{FF2B5EF4-FFF2-40B4-BE49-F238E27FC236}">
-                <a16:creationId xmlns:a16="http://schemas.microsoft.com/office/drawing/2014/main" id="{80B273DB-4A4C-4953-B84D-BE422D68031B}"/>
+                <a16:creationId xmlns:a16="http://schemas.microsoft.com/office/drawing/2014/main" xmlns="" id="{80B273DB-4A4C-4953-B84D-BE422D68031B}"/>
               </a:ext>
             </a:extLst>
           </p:cNvPr>
@@ -1833,7 +1833,7 @@
           <a:p>
             <a:fld id="{2E8D9657-2802-4D36-A859-D81AD93B9EA5}" type="datetimeFigureOut">
               <a:rPr lang="ko-KR" altLang="en-US" smtClean="0"/>
-              <a:t>2023-05-17</a:t>
+              <a:t>2023-06-14</a:t>
             </a:fld>
             <a:endParaRPr lang="ko-KR" altLang="en-US"/>
           </a:p>
@@ -1844,7 +1844,7 @@
           <p:cNvPr id="8" name="바닥글 개체 틀 7">
             <a:extLst>
               <a:ext uri="{FF2B5EF4-FFF2-40B4-BE49-F238E27FC236}">
-                <a16:creationId xmlns:a16="http://schemas.microsoft.com/office/drawing/2014/main" id="{B52AAD0F-A747-46F8-88AB-654AB7796C6A}"/>
+                <a16:creationId xmlns:a16="http://schemas.microsoft.com/office/drawing/2014/main" xmlns="" id="{B52AAD0F-A747-46F8-88AB-654AB7796C6A}"/>
               </a:ext>
             </a:extLst>
           </p:cNvPr>
@@ -1869,7 +1869,7 @@
           <p:cNvPr id="9" name="슬라이드 번호 개체 틀 8">
             <a:extLst>
               <a:ext uri="{FF2B5EF4-FFF2-40B4-BE49-F238E27FC236}">
-                <a16:creationId xmlns:a16="http://schemas.microsoft.com/office/drawing/2014/main" id="{CA87AA76-FEB5-45B1-87A8-DD16B74C1C17}"/>
+                <a16:creationId xmlns:a16="http://schemas.microsoft.com/office/drawing/2014/main" xmlns="" id="{CA87AA76-FEB5-45B1-87A8-DD16B74C1C17}"/>
               </a:ext>
             </a:extLst>
           </p:cNvPr>
@@ -1928,7 +1928,7 @@
           <p:cNvPr id="2" name="제목 1">
             <a:extLst>
               <a:ext uri="{FF2B5EF4-FFF2-40B4-BE49-F238E27FC236}">
-                <a16:creationId xmlns:a16="http://schemas.microsoft.com/office/drawing/2014/main" id="{9B42EA2A-CA59-41F3-9C68-ADFA9C4EA616}"/>
+                <a16:creationId xmlns:a16="http://schemas.microsoft.com/office/drawing/2014/main" xmlns="" id="{9B42EA2A-CA59-41F3-9C68-ADFA9C4EA616}"/>
               </a:ext>
             </a:extLst>
           </p:cNvPr>
@@ -1956,7 +1956,7 @@
           <p:cNvPr id="3" name="날짜 개체 틀 2">
             <a:extLst>
               <a:ext uri="{FF2B5EF4-FFF2-40B4-BE49-F238E27FC236}">
-                <a16:creationId xmlns:a16="http://schemas.microsoft.com/office/drawing/2014/main" id="{D8B8391F-EE59-472B-B580-E9EC00CBC2C0}"/>
+                <a16:creationId xmlns:a16="http://schemas.microsoft.com/office/drawing/2014/main" xmlns="" id="{D8B8391F-EE59-472B-B580-E9EC00CBC2C0}"/>
               </a:ext>
             </a:extLst>
           </p:cNvPr>
@@ -1974,7 +1974,7 @@
           <a:p>
             <a:fld id="{2E8D9657-2802-4D36-A859-D81AD93B9EA5}" type="datetimeFigureOut">
               <a:rPr lang="ko-KR" altLang="en-US" smtClean="0"/>
-              <a:t>2023-05-17</a:t>
+              <a:t>2023-06-14</a:t>
             </a:fld>
             <a:endParaRPr lang="ko-KR" altLang="en-US"/>
           </a:p>
@@ -1985,7 +1985,7 @@
           <p:cNvPr id="4" name="바닥글 개체 틀 3">
             <a:extLst>
               <a:ext uri="{FF2B5EF4-FFF2-40B4-BE49-F238E27FC236}">
-                <a16:creationId xmlns:a16="http://schemas.microsoft.com/office/drawing/2014/main" id="{553B361C-3339-4C4A-A95C-02ACEA2BFB1A}"/>
+                <a16:creationId xmlns:a16="http://schemas.microsoft.com/office/drawing/2014/main" xmlns="" id="{553B361C-3339-4C4A-A95C-02ACEA2BFB1A}"/>
               </a:ext>
             </a:extLst>
           </p:cNvPr>
@@ -2010,7 +2010,7 @@
           <p:cNvPr id="5" name="슬라이드 번호 개체 틀 4">
             <a:extLst>
               <a:ext uri="{FF2B5EF4-FFF2-40B4-BE49-F238E27FC236}">
-                <a16:creationId xmlns:a16="http://schemas.microsoft.com/office/drawing/2014/main" id="{5EB6269F-40CC-48EE-90D5-D581B0C8E51F}"/>
+                <a16:creationId xmlns:a16="http://schemas.microsoft.com/office/drawing/2014/main" xmlns="" id="{5EB6269F-40CC-48EE-90D5-D581B0C8E51F}"/>
               </a:ext>
             </a:extLst>
           </p:cNvPr>
@@ -2069,7 +2069,7 @@
           <p:cNvPr id="2" name="날짜 개체 틀 1">
             <a:extLst>
               <a:ext uri="{FF2B5EF4-FFF2-40B4-BE49-F238E27FC236}">
-                <a16:creationId xmlns:a16="http://schemas.microsoft.com/office/drawing/2014/main" id="{FFD6222A-AB34-469E-A929-587F40ECF580}"/>
+                <a16:creationId xmlns:a16="http://schemas.microsoft.com/office/drawing/2014/main" xmlns="" id="{FFD6222A-AB34-469E-A929-587F40ECF580}"/>
               </a:ext>
             </a:extLst>
           </p:cNvPr>
@@ -2087,7 +2087,7 @@
           <a:p>
             <a:fld id="{2E8D9657-2802-4D36-A859-D81AD93B9EA5}" type="datetimeFigureOut">
               <a:rPr lang="ko-KR" altLang="en-US" smtClean="0"/>
-              <a:t>2023-05-17</a:t>
+              <a:t>2023-06-14</a:t>
             </a:fld>
             <a:endParaRPr lang="ko-KR" altLang="en-US"/>
           </a:p>
@@ -2098,7 +2098,7 @@
           <p:cNvPr id="3" name="바닥글 개체 틀 2">
             <a:extLst>
               <a:ext uri="{FF2B5EF4-FFF2-40B4-BE49-F238E27FC236}">
-                <a16:creationId xmlns:a16="http://schemas.microsoft.com/office/drawing/2014/main" id="{910866EF-9F49-4632-9D8C-9FBE53BB69EC}"/>
+                <a16:creationId xmlns:a16="http://schemas.microsoft.com/office/drawing/2014/main" xmlns="" id="{910866EF-9F49-4632-9D8C-9FBE53BB69EC}"/>
               </a:ext>
             </a:extLst>
           </p:cNvPr>
@@ -2123,7 +2123,7 @@
           <p:cNvPr id="4" name="슬라이드 번호 개체 틀 3">
             <a:extLst>
               <a:ext uri="{FF2B5EF4-FFF2-40B4-BE49-F238E27FC236}">
-                <a16:creationId xmlns:a16="http://schemas.microsoft.com/office/drawing/2014/main" id="{11C7A899-7432-457D-B1AD-1A6BD89B4455}"/>
+                <a16:creationId xmlns:a16="http://schemas.microsoft.com/office/drawing/2014/main" xmlns="" id="{11C7A899-7432-457D-B1AD-1A6BD89B4455}"/>
               </a:ext>
             </a:extLst>
           </p:cNvPr>
@@ -2182,7 +2182,7 @@
           <p:cNvPr id="2" name="제목 1">
             <a:extLst>
               <a:ext uri="{FF2B5EF4-FFF2-40B4-BE49-F238E27FC236}">
-                <a16:creationId xmlns:a16="http://schemas.microsoft.com/office/drawing/2014/main" id="{8B280446-7AC6-4988-B7E9-9B9266543157}"/>
+                <a16:creationId xmlns:a16="http://schemas.microsoft.com/office/drawing/2014/main" xmlns="" id="{8B280446-7AC6-4988-B7E9-9B9266543157}"/>
               </a:ext>
             </a:extLst>
           </p:cNvPr>
@@ -2219,7 +2219,7 @@
           <p:cNvPr id="3" name="내용 개체 틀 2">
             <a:extLst>
               <a:ext uri="{FF2B5EF4-FFF2-40B4-BE49-F238E27FC236}">
-                <a16:creationId xmlns:a16="http://schemas.microsoft.com/office/drawing/2014/main" id="{48342219-FB64-439D-B2AF-3308C3315A6F}"/>
+                <a16:creationId xmlns:a16="http://schemas.microsoft.com/office/drawing/2014/main" xmlns="" id="{48342219-FB64-439D-B2AF-3308C3315A6F}"/>
               </a:ext>
             </a:extLst>
           </p:cNvPr>
@@ -2309,7 +2309,7 @@
           <p:cNvPr id="4" name="텍스트 개체 틀 3">
             <a:extLst>
               <a:ext uri="{FF2B5EF4-FFF2-40B4-BE49-F238E27FC236}">
-                <a16:creationId xmlns:a16="http://schemas.microsoft.com/office/drawing/2014/main" id="{935DD381-0830-4A98-93C2-53B295AA6FA0}"/>
+                <a16:creationId xmlns:a16="http://schemas.microsoft.com/office/drawing/2014/main" xmlns="" id="{935DD381-0830-4A98-93C2-53B295AA6FA0}"/>
               </a:ext>
             </a:extLst>
           </p:cNvPr>
@@ -2380,7 +2380,7 @@
           <p:cNvPr id="5" name="날짜 개체 틀 4">
             <a:extLst>
               <a:ext uri="{FF2B5EF4-FFF2-40B4-BE49-F238E27FC236}">
-                <a16:creationId xmlns:a16="http://schemas.microsoft.com/office/drawing/2014/main" id="{EF34ED70-A4AB-44BA-AA85-181FB77790A5}"/>
+                <a16:creationId xmlns:a16="http://schemas.microsoft.com/office/drawing/2014/main" xmlns="" id="{EF34ED70-A4AB-44BA-AA85-181FB77790A5}"/>
               </a:ext>
             </a:extLst>
           </p:cNvPr>
@@ -2398,7 +2398,7 @@
           <a:p>
             <a:fld id="{2E8D9657-2802-4D36-A859-D81AD93B9EA5}" type="datetimeFigureOut">
               <a:rPr lang="ko-KR" altLang="en-US" smtClean="0"/>
-              <a:t>2023-05-17</a:t>
+              <a:t>2023-06-14</a:t>
             </a:fld>
             <a:endParaRPr lang="ko-KR" altLang="en-US"/>
           </a:p>
@@ -2409,7 +2409,7 @@
           <p:cNvPr id="6" name="바닥글 개체 틀 5">
             <a:extLst>
               <a:ext uri="{FF2B5EF4-FFF2-40B4-BE49-F238E27FC236}">
-                <a16:creationId xmlns:a16="http://schemas.microsoft.com/office/drawing/2014/main" id="{5FD9A04E-1591-4948-9FF4-CD4FB6B0D709}"/>
+                <a16:creationId xmlns:a16="http://schemas.microsoft.com/office/drawing/2014/main" xmlns="" id="{5FD9A04E-1591-4948-9FF4-CD4FB6B0D709}"/>
               </a:ext>
             </a:extLst>
           </p:cNvPr>
@@ -2434,7 +2434,7 @@
           <p:cNvPr id="7" name="슬라이드 번호 개체 틀 6">
             <a:extLst>
               <a:ext uri="{FF2B5EF4-FFF2-40B4-BE49-F238E27FC236}">
-                <a16:creationId xmlns:a16="http://schemas.microsoft.com/office/drawing/2014/main" id="{0C249C2D-FCC0-4BEF-909F-F5548C83D093}"/>
+                <a16:creationId xmlns:a16="http://schemas.microsoft.com/office/drawing/2014/main" xmlns="" id="{0C249C2D-FCC0-4BEF-909F-F5548C83D093}"/>
               </a:ext>
             </a:extLst>
           </p:cNvPr>
@@ -2493,7 +2493,7 @@
           <p:cNvPr id="2" name="제목 1">
             <a:extLst>
               <a:ext uri="{FF2B5EF4-FFF2-40B4-BE49-F238E27FC236}">
-                <a16:creationId xmlns:a16="http://schemas.microsoft.com/office/drawing/2014/main" id="{19C0F037-F109-4F11-A470-A1C2F709B203}"/>
+                <a16:creationId xmlns:a16="http://schemas.microsoft.com/office/drawing/2014/main" xmlns="" id="{19C0F037-F109-4F11-A470-A1C2F709B203}"/>
               </a:ext>
             </a:extLst>
           </p:cNvPr>
@@ -2530,7 +2530,7 @@
           <p:cNvPr id="3" name="그림 개체 틀 2">
             <a:extLst>
               <a:ext uri="{FF2B5EF4-FFF2-40B4-BE49-F238E27FC236}">
-                <a16:creationId xmlns:a16="http://schemas.microsoft.com/office/drawing/2014/main" id="{7C2901F7-A428-4A8A-9FA8-E79F9714A0CA}"/>
+                <a16:creationId xmlns:a16="http://schemas.microsoft.com/office/drawing/2014/main" xmlns="" id="{7C2901F7-A428-4A8A-9FA8-E79F9714A0CA}"/>
               </a:ext>
             </a:extLst>
           </p:cNvPr>
@@ -2597,7 +2597,7 @@
           <p:cNvPr id="4" name="텍스트 개체 틀 3">
             <a:extLst>
               <a:ext uri="{FF2B5EF4-FFF2-40B4-BE49-F238E27FC236}">
-                <a16:creationId xmlns:a16="http://schemas.microsoft.com/office/drawing/2014/main" id="{576F448E-526A-4402-9EE7-F53CF20A7CC1}"/>
+                <a16:creationId xmlns:a16="http://schemas.microsoft.com/office/drawing/2014/main" xmlns="" id="{576F448E-526A-4402-9EE7-F53CF20A7CC1}"/>
               </a:ext>
             </a:extLst>
           </p:cNvPr>
@@ -2668,7 +2668,7 @@
           <p:cNvPr id="5" name="날짜 개체 틀 4">
             <a:extLst>
               <a:ext uri="{FF2B5EF4-FFF2-40B4-BE49-F238E27FC236}">
-                <a16:creationId xmlns:a16="http://schemas.microsoft.com/office/drawing/2014/main" id="{E88C2F5E-2D5A-4BA8-B295-1A5FAEA3E26A}"/>
+                <a16:creationId xmlns:a16="http://schemas.microsoft.com/office/drawing/2014/main" xmlns="" id="{E88C2F5E-2D5A-4BA8-B295-1A5FAEA3E26A}"/>
               </a:ext>
             </a:extLst>
           </p:cNvPr>
@@ -2686,7 +2686,7 @@
           <a:p>
             <a:fld id="{2E8D9657-2802-4D36-A859-D81AD93B9EA5}" type="datetimeFigureOut">
               <a:rPr lang="ko-KR" altLang="en-US" smtClean="0"/>
-              <a:t>2023-05-17</a:t>
+              <a:t>2023-06-14</a:t>
             </a:fld>
             <a:endParaRPr lang="ko-KR" altLang="en-US"/>
           </a:p>
@@ -2697,7 +2697,7 @@
           <p:cNvPr id="6" name="바닥글 개체 틀 5">
             <a:extLst>
               <a:ext uri="{FF2B5EF4-FFF2-40B4-BE49-F238E27FC236}">
-                <a16:creationId xmlns:a16="http://schemas.microsoft.com/office/drawing/2014/main" id="{21364476-5139-48A1-B4CD-B31E43B4082C}"/>
+                <a16:creationId xmlns:a16="http://schemas.microsoft.com/office/drawing/2014/main" xmlns="" id="{21364476-5139-48A1-B4CD-B31E43B4082C}"/>
               </a:ext>
             </a:extLst>
           </p:cNvPr>
@@ -2722,7 +2722,7 @@
           <p:cNvPr id="7" name="슬라이드 번호 개체 틀 6">
             <a:extLst>
               <a:ext uri="{FF2B5EF4-FFF2-40B4-BE49-F238E27FC236}">
-                <a16:creationId xmlns:a16="http://schemas.microsoft.com/office/drawing/2014/main" id="{CD3F8421-6126-4F98-AD22-DC3AB350D2C7}"/>
+                <a16:creationId xmlns:a16="http://schemas.microsoft.com/office/drawing/2014/main" xmlns="" id="{CD3F8421-6126-4F98-AD22-DC3AB350D2C7}"/>
               </a:ext>
             </a:extLst>
           </p:cNvPr>
@@ -2786,7 +2786,7 @@
           <p:cNvPr id="2" name="제목 개체 틀 1">
             <a:extLst>
               <a:ext uri="{FF2B5EF4-FFF2-40B4-BE49-F238E27FC236}">
-                <a16:creationId xmlns:a16="http://schemas.microsoft.com/office/drawing/2014/main" id="{F58706E5-99A2-45BF-934C-8BF013D5AC51}"/>
+                <a16:creationId xmlns:a16="http://schemas.microsoft.com/office/drawing/2014/main" xmlns="" id="{F58706E5-99A2-45BF-934C-8BF013D5AC51}"/>
               </a:ext>
             </a:extLst>
           </p:cNvPr>
@@ -2824,7 +2824,7 @@
           <p:cNvPr id="3" name="텍스트 개체 틀 2">
             <a:extLst>
               <a:ext uri="{FF2B5EF4-FFF2-40B4-BE49-F238E27FC236}">
-                <a16:creationId xmlns:a16="http://schemas.microsoft.com/office/drawing/2014/main" id="{3DADB67A-C055-4C73-962C-9CFCD0A6865E}"/>
+                <a16:creationId xmlns:a16="http://schemas.microsoft.com/office/drawing/2014/main" xmlns="" id="{3DADB67A-C055-4C73-962C-9CFCD0A6865E}"/>
               </a:ext>
             </a:extLst>
           </p:cNvPr>
@@ -2891,7 +2891,7 @@
           <p:cNvPr id="4" name="날짜 개체 틀 3">
             <a:extLst>
               <a:ext uri="{FF2B5EF4-FFF2-40B4-BE49-F238E27FC236}">
-                <a16:creationId xmlns:a16="http://schemas.microsoft.com/office/drawing/2014/main" id="{F3507741-D236-4298-8E1C-0435040F9168}"/>
+                <a16:creationId xmlns:a16="http://schemas.microsoft.com/office/drawing/2014/main" xmlns="" id="{F3507741-D236-4298-8E1C-0435040F9168}"/>
               </a:ext>
             </a:extLst>
           </p:cNvPr>
@@ -2927,7 +2927,7 @@
           <a:p>
             <a:fld id="{2E8D9657-2802-4D36-A859-D81AD93B9EA5}" type="datetimeFigureOut">
               <a:rPr lang="ko-KR" altLang="en-US" smtClean="0"/>
-              <a:t>2023-05-17</a:t>
+              <a:t>2023-06-14</a:t>
             </a:fld>
             <a:endParaRPr lang="ko-KR" altLang="en-US"/>
           </a:p>
@@ -2938,7 +2938,7 @@
           <p:cNvPr id="5" name="바닥글 개체 틀 4">
             <a:extLst>
               <a:ext uri="{FF2B5EF4-FFF2-40B4-BE49-F238E27FC236}">
-                <a16:creationId xmlns:a16="http://schemas.microsoft.com/office/drawing/2014/main" id="{0AF8C60B-0996-49F6-BE29-1513DF6A2A8D}"/>
+                <a16:creationId xmlns:a16="http://schemas.microsoft.com/office/drawing/2014/main" xmlns="" id="{0AF8C60B-0996-49F6-BE29-1513DF6A2A8D}"/>
               </a:ext>
             </a:extLst>
           </p:cNvPr>
@@ -2981,7 +2981,7 @@
           <p:cNvPr id="6" name="슬라이드 번호 개체 틀 5">
             <a:extLst>
               <a:ext uri="{FF2B5EF4-FFF2-40B4-BE49-F238E27FC236}">
-                <a16:creationId xmlns:a16="http://schemas.microsoft.com/office/drawing/2014/main" id="{990C62C1-D588-4512-AEB4-661994353B12}"/>
+                <a16:creationId xmlns:a16="http://schemas.microsoft.com/office/drawing/2014/main" xmlns="" id="{990C62C1-D588-4512-AEB4-661994353B12}"/>
               </a:ext>
             </a:extLst>
           </p:cNvPr>
@@ -3349,7 +3349,7 @@
           <p:cNvPr id="4" name="그림 3">
             <a:extLst>
               <a:ext uri="{FF2B5EF4-FFF2-40B4-BE49-F238E27FC236}">
-                <a16:creationId xmlns:a16="http://schemas.microsoft.com/office/drawing/2014/main" id="{929D4E37-9B58-435E-90C1-E55909A8CBB4}"/>
+                <a16:creationId xmlns:a16="http://schemas.microsoft.com/office/drawing/2014/main" xmlns="" id="{929D4E37-9B58-435E-90C1-E55909A8CBB4}"/>
               </a:ext>
             </a:extLst>
           </p:cNvPr>
@@ -3366,7 +3366,7 @@
         </p:blipFill>
         <p:spPr>
           <a:xfrm>
-            <a:off x="1724025" y="1147762"/>
+            <a:off x="1709395" y="1242859"/>
             <a:ext cx="8743950" cy="4562475"/>
           </a:xfrm>
           <a:prstGeom prst="rect">
@@ -3409,7 +3409,7 @@
           <p:cNvPr id="2" name="그림 1">
             <a:extLst>
               <a:ext uri="{FF2B5EF4-FFF2-40B4-BE49-F238E27FC236}">
-                <a16:creationId xmlns:a16="http://schemas.microsoft.com/office/drawing/2014/main" id="{A839A1C3-C0B9-402C-A678-3B517944A084}"/>
+                <a16:creationId xmlns:a16="http://schemas.microsoft.com/office/drawing/2014/main" xmlns="" id="{A839A1C3-C0B9-402C-A678-3B517944A084}"/>
               </a:ext>
             </a:extLst>
           </p:cNvPr>
@@ -3469,7 +3469,7 @@
           <p:cNvPr id="2" name="그림 1">
             <a:extLst>
               <a:ext uri="{FF2B5EF4-FFF2-40B4-BE49-F238E27FC236}">
-                <a16:creationId xmlns:a16="http://schemas.microsoft.com/office/drawing/2014/main" id="{1CA242BD-3B68-4B83-9923-A9497D64F299}"/>
+                <a16:creationId xmlns:a16="http://schemas.microsoft.com/office/drawing/2014/main" xmlns="" id="{1CA242BD-3B68-4B83-9923-A9497D64F299}"/>
               </a:ext>
             </a:extLst>
           </p:cNvPr>
@@ -3529,7 +3529,7 @@
           <p:cNvPr id="2" name="그림 1">
             <a:extLst>
               <a:ext uri="{FF2B5EF4-FFF2-40B4-BE49-F238E27FC236}">
-                <a16:creationId xmlns:a16="http://schemas.microsoft.com/office/drawing/2014/main" id="{A3F1F8CD-00A3-43BB-A4BD-1EDBED94EF80}"/>
+                <a16:creationId xmlns:a16="http://schemas.microsoft.com/office/drawing/2014/main" xmlns="" id="{A3F1F8CD-00A3-43BB-A4BD-1EDBED94EF80}"/>
               </a:ext>
             </a:extLst>
           </p:cNvPr>
@@ -3589,7 +3589,7 @@
           <p:cNvPr id="2" name="그림 1">
             <a:extLst>
               <a:ext uri="{FF2B5EF4-FFF2-40B4-BE49-F238E27FC236}">
-                <a16:creationId xmlns:a16="http://schemas.microsoft.com/office/drawing/2014/main" id="{33B10D3A-611F-4573-BC4E-9FA60A4ECE92}"/>
+                <a16:creationId xmlns:a16="http://schemas.microsoft.com/office/drawing/2014/main" xmlns="" id="{33B10D3A-611F-4573-BC4E-9FA60A4ECE92}"/>
               </a:ext>
             </a:extLst>
           </p:cNvPr>
@@ -3649,7 +3649,7 @@
           <p:cNvPr id="2" name="직사각형 1">
             <a:extLst>
               <a:ext uri="{FF2B5EF4-FFF2-40B4-BE49-F238E27FC236}">
-                <a16:creationId xmlns:a16="http://schemas.microsoft.com/office/drawing/2014/main" id="{BD1CB8ED-8F62-4BE0-AC5F-5172BFCFDAF1}"/>
+                <a16:creationId xmlns:a16="http://schemas.microsoft.com/office/drawing/2014/main" xmlns="" id="{BD1CB8ED-8F62-4BE0-AC5F-5172BFCFDAF1}"/>
               </a:ext>
             </a:extLst>
           </p:cNvPr>
@@ -3769,7 +3769,7 @@
           <p:cNvPr id="2" name="그림 1">
             <a:extLst>
               <a:ext uri="{FF2B5EF4-FFF2-40B4-BE49-F238E27FC236}">
-                <a16:creationId xmlns:a16="http://schemas.microsoft.com/office/drawing/2014/main" id="{8D75DF3E-BFD8-4DC0-A556-7E3F45D99110}"/>
+                <a16:creationId xmlns:a16="http://schemas.microsoft.com/office/drawing/2014/main" xmlns="" id="{8D75DF3E-BFD8-4DC0-A556-7E3F45D99110}"/>
               </a:ext>
             </a:extLst>
           </p:cNvPr>
@@ -3829,7 +3829,7 @@
           <p:cNvPr id="4" name="그림 3">
             <a:extLst>
               <a:ext uri="{FF2B5EF4-FFF2-40B4-BE49-F238E27FC236}">
-                <a16:creationId xmlns:a16="http://schemas.microsoft.com/office/drawing/2014/main" id="{CBE2C277-68CA-4FB3-BCBE-FCA2D25AF1F9}"/>
+                <a16:creationId xmlns:a16="http://schemas.microsoft.com/office/drawing/2014/main" xmlns="" id="{CBE2C277-68CA-4FB3-BCBE-FCA2D25AF1F9}"/>
               </a:ext>
             </a:extLst>
           </p:cNvPr>
@@ -3889,7 +3889,7 @@
           <p:cNvPr id="2" name="그림 1">
             <a:extLst>
               <a:ext uri="{FF2B5EF4-FFF2-40B4-BE49-F238E27FC236}">
-                <a16:creationId xmlns:a16="http://schemas.microsoft.com/office/drawing/2014/main" id="{5FEDAB66-9020-4CDC-B2CA-B013C3E7FB06}"/>
+                <a16:creationId xmlns:a16="http://schemas.microsoft.com/office/drawing/2014/main" xmlns="" id="{5FEDAB66-9020-4CDC-B2CA-B013C3E7FB06}"/>
               </a:ext>
             </a:extLst>
           </p:cNvPr>
@@ -3949,7 +3949,7 @@
           <p:cNvPr id="2" name="그림 1">
             <a:extLst>
               <a:ext uri="{FF2B5EF4-FFF2-40B4-BE49-F238E27FC236}">
-                <a16:creationId xmlns:a16="http://schemas.microsoft.com/office/drawing/2014/main" id="{413E85E1-1B3C-4A4E-AAB5-A9519309DE14}"/>
+                <a16:creationId xmlns:a16="http://schemas.microsoft.com/office/drawing/2014/main" xmlns="" id="{413E85E1-1B3C-4A4E-AAB5-A9519309DE14}"/>
               </a:ext>
             </a:extLst>
           </p:cNvPr>
@@ -4009,7 +4009,7 @@
           <p:cNvPr id="2" name="그림 1">
             <a:extLst>
               <a:ext uri="{FF2B5EF4-FFF2-40B4-BE49-F238E27FC236}">
-                <a16:creationId xmlns:a16="http://schemas.microsoft.com/office/drawing/2014/main" id="{65DD75F4-07BB-4A8B-856D-2884C8B19489}"/>
+                <a16:creationId xmlns:a16="http://schemas.microsoft.com/office/drawing/2014/main" xmlns="" id="{65DD75F4-07BB-4A8B-856D-2884C8B19489}"/>
               </a:ext>
             </a:extLst>
           </p:cNvPr>
@@ -4039,7 +4039,7 @@
           <p:cNvPr id="3" name="그림 2">
             <a:extLst>
               <a:ext uri="{FF2B5EF4-FFF2-40B4-BE49-F238E27FC236}">
-                <a16:creationId xmlns:a16="http://schemas.microsoft.com/office/drawing/2014/main" id="{FCFD35F7-71AE-4EFB-859E-0A69C34DBAE1}"/>
+                <a16:creationId xmlns:a16="http://schemas.microsoft.com/office/drawing/2014/main" xmlns="" id="{FCFD35F7-71AE-4EFB-859E-0A69C34DBAE1}"/>
               </a:ext>
             </a:extLst>
           </p:cNvPr>
@@ -4099,7 +4099,7 @@
           <p:cNvPr id="2" name="그림 1">
             <a:extLst>
               <a:ext uri="{FF2B5EF4-FFF2-40B4-BE49-F238E27FC236}">
-                <a16:creationId xmlns:a16="http://schemas.microsoft.com/office/drawing/2014/main" id="{EBBC8349-154C-49D8-90DE-268F8E9B1DD8}"/>
+                <a16:creationId xmlns:a16="http://schemas.microsoft.com/office/drawing/2014/main" xmlns="" id="{EBBC8349-154C-49D8-90DE-268F8E9B1DD8}"/>
               </a:ext>
             </a:extLst>
           </p:cNvPr>
@@ -4159,7 +4159,7 @@
           <p:cNvPr id="2" name="그림 1">
             <a:extLst>
               <a:ext uri="{FF2B5EF4-FFF2-40B4-BE49-F238E27FC236}">
-                <a16:creationId xmlns:a16="http://schemas.microsoft.com/office/drawing/2014/main" id="{CB00B742-7251-47AE-BB53-FA7A9EAEFD75}"/>
+                <a16:creationId xmlns:a16="http://schemas.microsoft.com/office/drawing/2014/main" xmlns="" id="{CB00B742-7251-47AE-BB53-FA7A9EAEFD75}"/>
               </a:ext>
             </a:extLst>
           </p:cNvPr>
@@ -4219,7 +4219,7 @@
           <p:cNvPr id="2" name="그림 1">
             <a:extLst>
               <a:ext uri="{FF2B5EF4-FFF2-40B4-BE49-F238E27FC236}">
-                <a16:creationId xmlns:a16="http://schemas.microsoft.com/office/drawing/2014/main" id="{D803E2AC-B3D2-462F-9322-2F9946195341}"/>
+                <a16:creationId xmlns:a16="http://schemas.microsoft.com/office/drawing/2014/main" xmlns="" id="{D803E2AC-B3D2-462F-9322-2F9946195341}"/>
               </a:ext>
             </a:extLst>
           </p:cNvPr>
@@ -4279,7 +4279,7 @@
           <p:cNvPr id="2" name="그림 1">
             <a:extLst>
               <a:ext uri="{FF2B5EF4-FFF2-40B4-BE49-F238E27FC236}">
-                <a16:creationId xmlns:a16="http://schemas.microsoft.com/office/drawing/2014/main" id="{5E95C7D6-39D3-431D-8D66-88075832786A}"/>
+                <a16:creationId xmlns:a16="http://schemas.microsoft.com/office/drawing/2014/main" xmlns="" id="{5E95C7D6-39D3-431D-8D66-88075832786A}"/>
               </a:ext>
             </a:extLst>
           </p:cNvPr>
@@ -4339,7 +4339,7 @@
           <p:cNvPr id="2" name="그림 1">
             <a:extLst>
               <a:ext uri="{FF2B5EF4-FFF2-40B4-BE49-F238E27FC236}">
-                <a16:creationId xmlns:a16="http://schemas.microsoft.com/office/drawing/2014/main" id="{CCA658F3-804D-451E-B5A4-7E93F980D34D}"/>
+                <a16:creationId xmlns:a16="http://schemas.microsoft.com/office/drawing/2014/main" xmlns="" id="{CCA658F3-804D-451E-B5A4-7E93F980D34D}"/>
               </a:ext>
             </a:extLst>
           </p:cNvPr>
@@ -4399,7 +4399,7 @@
           <p:cNvPr id="3" name="그림 2">
             <a:extLst>
               <a:ext uri="{FF2B5EF4-FFF2-40B4-BE49-F238E27FC236}">
-                <a16:creationId xmlns:a16="http://schemas.microsoft.com/office/drawing/2014/main" id="{0154CC4C-429F-42FA-8B75-9A9810BA73BF}"/>
+                <a16:creationId xmlns:a16="http://schemas.microsoft.com/office/drawing/2014/main" xmlns="" id="{0154CC4C-429F-42FA-8B75-9A9810BA73BF}"/>
               </a:ext>
             </a:extLst>
           </p:cNvPr>
@@ -4459,7 +4459,7 @@
           <p:cNvPr id="2" name="직사각형 1">
             <a:extLst>
               <a:ext uri="{FF2B5EF4-FFF2-40B4-BE49-F238E27FC236}">
-                <a16:creationId xmlns:a16="http://schemas.microsoft.com/office/drawing/2014/main" id="{BD1CB8ED-8F62-4BE0-AC5F-5172BFCFDAF1}"/>
+                <a16:creationId xmlns:a16="http://schemas.microsoft.com/office/drawing/2014/main" xmlns="" id="{BD1CB8ED-8F62-4BE0-AC5F-5172BFCFDAF1}"/>
               </a:ext>
             </a:extLst>
           </p:cNvPr>
@@ -4579,7 +4579,7 @@
           <p:cNvPr id="4" name="그림 3">
             <a:extLst>
               <a:ext uri="{FF2B5EF4-FFF2-40B4-BE49-F238E27FC236}">
-                <a16:creationId xmlns:a16="http://schemas.microsoft.com/office/drawing/2014/main" id="{D6008A9A-44B4-4323-890B-57EC24300BE5}"/>
+                <a16:creationId xmlns:a16="http://schemas.microsoft.com/office/drawing/2014/main" xmlns="" id="{D6008A9A-44B4-4323-890B-57EC24300BE5}"/>
               </a:ext>
             </a:extLst>
           </p:cNvPr>
